--- a/미세먼지센서구성도.pptx
+++ b/미세먼지센서구성도.pptx
@@ -104,6 +104,11 @@
       </a:defRPr>
     </a:lvl9pPr>
   </p:defaultTextStyle>
+  <p:extLst>
+    <p:ext uri="{EFAFB233-063F-42B5-8137-9DF3F51BA10A}">
+      <p15:sldGuideLst xmlns:p15="http://schemas.microsoft.com/office/powerpoint/2012/main"/>
+    </p:ext>
+  </p:extLst>
 </p:presentation>
 </file>
 
@@ -3411,26 +3416,344 @@
           </a:fontRef>
         </p:style>
       </p:cxnSp>
+      <p:sp>
+        <p:nvSpPr>
+          <p:cNvPr id="25" name="직사각형 24">
+            <a:extLst>
+              <a:ext uri="{FF2B5EF4-FFF2-40B4-BE49-F238E27FC236}">
+                <a16:creationId xmlns:a16="http://schemas.microsoft.com/office/drawing/2014/main" id="{EE4B4FF9-1580-4BA3-959A-CAFFA90694D2}"/>
+              </a:ext>
+            </a:extLst>
+          </p:cNvPr>
+          <p:cNvSpPr/>
+          <p:nvPr/>
+        </p:nvSpPr>
+        <p:spPr>
+          <a:xfrm>
+            <a:off x="5188803" y="1810644"/>
+            <a:ext cx="1427087" cy="687897"/>
+          </a:xfrm>
+          <a:prstGeom prst="rect">
+            <a:avLst/>
+          </a:prstGeom>
+        </p:spPr>
+        <p:style>
+          <a:lnRef idx="2">
+            <a:schemeClr val="dk1"/>
+          </a:lnRef>
+          <a:fillRef idx="1">
+            <a:schemeClr val="lt1"/>
+          </a:fillRef>
+          <a:effectRef idx="0">
+            <a:schemeClr val="dk1"/>
+          </a:effectRef>
+          <a:fontRef idx="minor">
+            <a:schemeClr val="dk1"/>
+          </a:fontRef>
+        </p:style>
+        <p:txBody>
+          <a:bodyPr rtlCol="0" anchor="ctr"/>
+          <a:lstStyle/>
+          <a:p>
+            <a:pPr algn="ctr"/>
+            <a:r>
+              <a:rPr lang="ko-KR" altLang="en-US" err="1"/>
+              <a:t>온습도</a:t>
+            </a:r>
+            <a:r>
+              <a:rPr lang="ko-KR" altLang="en-US" dirty="0"/>
+              <a:t> 측정</a:t>
+            </a:r>
+          </a:p>
+        </p:txBody>
+      </p:sp>
+      <p:sp>
+        <p:nvSpPr>
+          <p:cNvPr id="27" name="직사각형 26">
+            <a:extLst>
+              <a:ext uri="{FF2B5EF4-FFF2-40B4-BE49-F238E27FC236}">
+                <a16:creationId xmlns:a16="http://schemas.microsoft.com/office/drawing/2014/main" id="{5A8B4441-2AD9-45AD-964C-900E42F2A188}"/>
+              </a:ext>
+            </a:extLst>
+          </p:cNvPr>
+          <p:cNvSpPr/>
+          <p:nvPr/>
+        </p:nvSpPr>
+        <p:spPr>
+          <a:xfrm>
+            <a:off x="5228431" y="4686427"/>
+            <a:ext cx="1347830" cy="687897"/>
+          </a:xfrm>
+          <a:prstGeom prst="rect">
+            <a:avLst/>
+          </a:prstGeom>
+        </p:spPr>
+        <p:style>
+          <a:lnRef idx="2">
+            <a:schemeClr val="dk1"/>
+          </a:lnRef>
+          <a:fillRef idx="1">
+            <a:schemeClr val="lt1"/>
+          </a:fillRef>
+          <a:effectRef idx="0">
+            <a:schemeClr val="dk1"/>
+          </a:effectRef>
+          <a:fontRef idx="minor">
+            <a:schemeClr val="dk1"/>
+          </a:fontRef>
+        </p:style>
+        <p:txBody>
+          <a:bodyPr rtlCol="0" anchor="ctr"/>
+          <a:lstStyle/>
+          <a:p>
+            <a:pPr algn="ctr"/>
+            <a:r>
+              <a:rPr lang="ko-KR" altLang="en-US" dirty="0"/>
+              <a:t>서버 전송</a:t>
+            </a:r>
+          </a:p>
+        </p:txBody>
+      </p:sp>
+      <p:sp>
+        <p:nvSpPr>
+          <p:cNvPr id="99" name="직사각형 98">
+            <a:extLst>
+              <a:ext uri="{FF2B5EF4-FFF2-40B4-BE49-F238E27FC236}">
+                <a16:creationId xmlns:a16="http://schemas.microsoft.com/office/drawing/2014/main" id="{94B16BDC-F567-4E17-AC9D-842EBB1DF8E8}"/>
+              </a:ext>
+            </a:extLst>
+          </p:cNvPr>
+          <p:cNvSpPr/>
+          <p:nvPr/>
+        </p:nvSpPr>
+        <p:spPr>
+          <a:xfrm>
+            <a:off x="5245498" y="5894441"/>
+            <a:ext cx="1313695" cy="687897"/>
+          </a:xfrm>
+          <a:prstGeom prst="rect">
+            <a:avLst/>
+          </a:prstGeom>
+        </p:spPr>
+        <p:style>
+          <a:lnRef idx="2">
+            <a:schemeClr val="dk1"/>
+          </a:lnRef>
+          <a:fillRef idx="1">
+            <a:schemeClr val="lt1"/>
+          </a:fillRef>
+          <a:effectRef idx="0">
+            <a:schemeClr val="dk1"/>
+          </a:effectRef>
+          <a:fontRef idx="minor">
+            <a:schemeClr val="dk1"/>
+          </a:fontRef>
+        </p:style>
+        <p:txBody>
+          <a:bodyPr rtlCol="0" anchor="ctr"/>
+          <a:lstStyle/>
+          <a:p>
+            <a:pPr algn="ctr"/>
+            <a:r>
+              <a:rPr lang="ko-KR" altLang="en-US" dirty="0"/>
+              <a:t>웹페이지 </a:t>
+            </a:r>
+            <a:endParaRPr lang="en-US" altLang="ko-KR" dirty="0"/>
+          </a:p>
+          <a:p>
+            <a:pPr algn="ctr"/>
+            <a:r>
+              <a:rPr lang="ko-KR" altLang="en-US" dirty="0"/>
+              <a:t>출력</a:t>
+            </a:r>
+          </a:p>
+        </p:txBody>
+      </p:sp>
       <p:cxnSp>
         <p:nvCxnSpPr>
-          <p:cNvPr id="18" name="직선 화살표 연결선 17">
-            <a:extLst>
-              <a:ext uri="{FF2B5EF4-FFF2-40B4-BE49-F238E27FC236}">
-                <a16:creationId xmlns:a16="http://schemas.microsoft.com/office/drawing/2014/main" id="{BB975F1B-5F25-4B42-A4A5-F4B6D16B3019}"/>
+          <p:cNvPr id="100" name="직선 화살표 연결선 99">
+            <a:extLst>
+              <a:ext uri="{FF2B5EF4-FFF2-40B4-BE49-F238E27FC236}">
+                <a16:creationId xmlns:a16="http://schemas.microsoft.com/office/drawing/2014/main" id="{4B1F5BA9-1598-4CAC-B8F9-EC450258CCC5}"/>
+              </a:ext>
+            </a:extLst>
+          </p:cNvPr>
+          <p:cNvCxnSpPr>
+            <a:cxnSpLocks/>
+            <a:stCxn id="27" idx="2"/>
+            <a:endCxn id="99" idx="0"/>
+          </p:cNvCxnSpPr>
+          <p:nvPr/>
+        </p:nvCxnSpPr>
+        <p:spPr>
+          <a:xfrm>
+            <a:off x="5902346" y="5374324"/>
+            <a:ext cx="0" cy="520117"/>
+          </a:xfrm>
+          <a:prstGeom prst="straightConnector1">
+            <a:avLst/>
+          </a:prstGeom>
+          <a:ln>
+            <a:tailEnd type="triangle"/>
+          </a:ln>
+        </p:spPr>
+        <p:style>
+          <a:lnRef idx="1">
+            <a:schemeClr val="accent1"/>
+          </a:lnRef>
+          <a:fillRef idx="0">
+            <a:schemeClr val="accent1"/>
+          </a:fillRef>
+          <a:effectRef idx="0">
+            <a:schemeClr val="accent1"/>
+          </a:effectRef>
+          <a:fontRef idx="minor">
+            <a:schemeClr val="tx1"/>
+          </a:fontRef>
+        </p:style>
+      </p:cxnSp>
+      <p:sp>
+        <p:nvSpPr>
+          <p:cNvPr id="33" name="직사각형 32">
+            <a:extLst>
+              <a:ext uri="{FF2B5EF4-FFF2-40B4-BE49-F238E27FC236}">
+                <a16:creationId xmlns:a16="http://schemas.microsoft.com/office/drawing/2014/main" id="{4CEF2AEC-0B71-4192-9372-9A841A34089C}"/>
+              </a:ext>
+            </a:extLst>
+          </p:cNvPr>
+          <p:cNvSpPr/>
+          <p:nvPr/>
+        </p:nvSpPr>
+        <p:spPr>
+          <a:xfrm>
+            <a:off x="4174650" y="3248535"/>
+            <a:ext cx="1313695" cy="749993"/>
+          </a:xfrm>
+          <a:prstGeom prst="rect">
+            <a:avLst/>
+          </a:prstGeom>
+        </p:spPr>
+        <p:style>
+          <a:lnRef idx="2">
+            <a:schemeClr val="dk1"/>
+          </a:lnRef>
+          <a:fillRef idx="1">
+            <a:schemeClr val="lt1"/>
+          </a:fillRef>
+          <a:effectRef idx="0">
+            <a:schemeClr val="dk1"/>
+          </a:effectRef>
+          <a:fontRef idx="minor">
+            <a:schemeClr val="dk1"/>
+          </a:fontRef>
+        </p:style>
+        <p:txBody>
+          <a:bodyPr rtlCol="0" anchor="ctr"/>
+          <a:lstStyle/>
+          <a:p>
+            <a:pPr algn="ctr"/>
+            <a:r>
+              <a:rPr lang="en-US" altLang="ko-KR" b="1" dirty="0" err="1"/>
+              <a:t>readHumidity</a:t>
+            </a:r>
+            <a:r>
+              <a:rPr lang="en-US" altLang="ko-KR" b="1" dirty="0"/>
+              <a:t>();</a:t>
+            </a:r>
+          </a:p>
+          <a:p>
+            <a:pPr algn="ctr"/>
+            <a:r>
+              <a:rPr lang="ko-KR" altLang="en-US" b="1" dirty="0"/>
+              <a:t>습도측정</a:t>
+            </a:r>
+            <a:endParaRPr lang="en-US" altLang="ko-KR" b="1" dirty="0"/>
+          </a:p>
+        </p:txBody>
+      </p:sp>
+      <p:sp>
+        <p:nvSpPr>
+          <p:cNvPr id="34" name="직사각형 33">
+            <a:extLst>
+              <a:ext uri="{FF2B5EF4-FFF2-40B4-BE49-F238E27FC236}">
+                <a16:creationId xmlns:a16="http://schemas.microsoft.com/office/drawing/2014/main" id="{AC26ACF5-6B62-4903-926E-55C44360FCE3}"/>
+              </a:ext>
+            </a:extLst>
+          </p:cNvPr>
+          <p:cNvSpPr/>
+          <p:nvPr/>
+        </p:nvSpPr>
+        <p:spPr>
+          <a:xfrm>
+            <a:off x="6371981" y="3248534"/>
+            <a:ext cx="1538837" cy="749993"/>
+          </a:xfrm>
+          <a:prstGeom prst="rect">
+            <a:avLst/>
+          </a:prstGeom>
+        </p:spPr>
+        <p:style>
+          <a:lnRef idx="2">
+            <a:schemeClr val="dk1"/>
+          </a:lnRef>
+          <a:fillRef idx="1">
+            <a:schemeClr val="lt1"/>
+          </a:fillRef>
+          <a:effectRef idx="0">
+            <a:schemeClr val="dk1"/>
+          </a:effectRef>
+          <a:fontRef idx="minor">
+            <a:schemeClr val="dk1"/>
+          </a:fontRef>
+        </p:style>
+        <p:txBody>
+          <a:bodyPr rtlCol="0" anchor="ctr"/>
+          <a:lstStyle/>
+          <a:p>
+            <a:pPr algn="ctr"/>
+            <a:r>
+              <a:rPr lang="en-US" altLang="ko-KR" b="1" dirty="0"/>
+              <a:t>.</a:t>
+            </a:r>
+            <a:r>
+              <a:rPr lang="en-US" altLang="ko-KR" b="1" dirty="0" err="1"/>
+              <a:t>readTemperature</a:t>
+            </a:r>
+            <a:r>
+              <a:rPr lang="en-US" altLang="ko-KR" b="1" dirty="0"/>
+              <a:t>(</a:t>
+            </a:r>
+          </a:p>
+          <a:p>
+            <a:pPr algn="ctr"/>
+            <a:r>
+              <a:rPr lang="ko-KR" altLang="en-US" b="1" dirty="0"/>
+              <a:t>온도측정</a:t>
+            </a:r>
+            <a:endParaRPr lang="ko-KR" altLang="en-US" dirty="0"/>
+          </a:p>
+        </p:txBody>
+      </p:sp>
+      <p:cxnSp>
+        <p:nvCxnSpPr>
+          <p:cNvPr id="35" name="직선 화살표 연결선 34">
+            <a:extLst>
+              <a:ext uri="{FF2B5EF4-FFF2-40B4-BE49-F238E27FC236}">
+                <a16:creationId xmlns:a16="http://schemas.microsoft.com/office/drawing/2014/main" id="{A0B81FD3-C58A-4B7B-933F-9F05B10EFFF4}"/>
               </a:ext>
             </a:extLst>
           </p:cNvPr>
           <p:cNvCxnSpPr>
             <a:cxnSpLocks/>
             <a:stCxn id="25" idx="2"/>
-            <a:endCxn id="26" idx="0"/>
+            <a:endCxn id="33" idx="0"/>
           </p:cNvCxnSpPr>
           <p:nvPr/>
         </p:nvCxnSpPr>
         <p:spPr>
           <a:xfrm flipH="1">
-            <a:off x="2741700" y="2498541"/>
-            <a:ext cx="3160647" cy="859172"/>
+            <a:off x="4831498" y="2498541"/>
+            <a:ext cx="1070849" cy="749994"/>
           </a:xfrm>
           <a:prstGeom prst="straightConnector1">
             <a:avLst/>
@@ -3456,445 +3779,24 @@
       </p:cxnSp>
       <p:cxnSp>
         <p:nvCxnSpPr>
-          <p:cNvPr id="19" name="직선 화살표 연결선 18">
-            <a:extLst>
-              <a:ext uri="{FF2B5EF4-FFF2-40B4-BE49-F238E27FC236}">
-                <a16:creationId xmlns:a16="http://schemas.microsoft.com/office/drawing/2014/main" id="{376A23E5-6CB0-48A3-94F2-3D9388704BE1}"/>
+          <p:cNvPr id="36" name="직선 화살표 연결선 35">
+            <a:extLst>
+              <a:ext uri="{FF2B5EF4-FFF2-40B4-BE49-F238E27FC236}">
+                <a16:creationId xmlns:a16="http://schemas.microsoft.com/office/drawing/2014/main" id="{98884299-ABEE-498D-B4FA-88312416A1CB}"/>
               </a:ext>
             </a:extLst>
           </p:cNvPr>
           <p:cNvCxnSpPr>
             <a:cxnSpLocks/>
-            <a:stCxn id="26" idx="2"/>
-            <a:endCxn id="27" idx="0"/>
+            <a:stCxn id="25" idx="2"/>
+            <a:endCxn id="34" idx="0"/>
           </p:cNvCxnSpPr>
           <p:nvPr/>
         </p:nvCxnSpPr>
         <p:spPr>
           <a:xfrm>
-            <a:off x="2741700" y="4045610"/>
-            <a:ext cx="3160646" cy="640817"/>
-          </a:xfrm>
-          <a:prstGeom prst="straightConnector1">
-            <a:avLst/>
-          </a:prstGeom>
-          <a:ln>
-            <a:tailEnd type="triangle"/>
-          </a:ln>
-        </p:spPr>
-        <p:style>
-          <a:lnRef idx="1">
-            <a:schemeClr val="accent1"/>
-          </a:lnRef>
-          <a:fillRef idx="0">
-            <a:schemeClr val="accent1"/>
-          </a:fillRef>
-          <a:effectRef idx="0">
-            <a:schemeClr val="accent1"/>
-          </a:effectRef>
-          <a:fontRef idx="minor">
-            <a:schemeClr val="tx1"/>
-          </a:fontRef>
-        </p:style>
-      </p:cxnSp>
-      <p:sp>
-        <p:nvSpPr>
-          <p:cNvPr id="25" name="직사각형 24">
-            <a:extLst>
-              <a:ext uri="{FF2B5EF4-FFF2-40B4-BE49-F238E27FC236}">
-                <a16:creationId xmlns:a16="http://schemas.microsoft.com/office/drawing/2014/main" id="{EE4B4FF9-1580-4BA3-959A-CAFFA90694D2}"/>
-              </a:ext>
-            </a:extLst>
-          </p:cNvPr>
-          <p:cNvSpPr/>
-          <p:nvPr/>
-        </p:nvSpPr>
-        <p:spPr>
-          <a:xfrm>
-            <a:off x="5188803" y="1810644"/>
-            <a:ext cx="1427087" cy="687897"/>
-          </a:xfrm>
-          <a:prstGeom prst="rect">
-            <a:avLst/>
-          </a:prstGeom>
-        </p:spPr>
-        <p:style>
-          <a:lnRef idx="2">
-            <a:schemeClr val="dk1"/>
-          </a:lnRef>
-          <a:fillRef idx="1">
-            <a:schemeClr val="lt1"/>
-          </a:fillRef>
-          <a:effectRef idx="0">
-            <a:schemeClr val="dk1"/>
-          </a:effectRef>
-          <a:fontRef idx="minor">
-            <a:schemeClr val="dk1"/>
-          </a:fontRef>
-        </p:style>
-        <p:txBody>
-          <a:bodyPr rtlCol="0" anchor="ctr"/>
-          <a:lstStyle/>
-          <a:p>
-            <a:pPr algn="ctr"/>
-            <a:r>
-              <a:rPr lang="ko-KR" altLang="en-US" err="1"/>
-              <a:t>온습도</a:t>
-            </a:r>
-            <a:r>
-              <a:rPr lang="ko-KR" altLang="en-US" dirty="0"/>
-              <a:t> 측정</a:t>
-            </a:r>
-          </a:p>
-        </p:txBody>
-      </p:sp>
-      <p:sp>
-        <p:nvSpPr>
-          <p:cNvPr id="26" name="직사각형 25">
-            <a:extLst>
-              <a:ext uri="{FF2B5EF4-FFF2-40B4-BE49-F238E27FC236}">
-                <a16:creationId xmlns:a16="http://schemas.microsoft.com/office/drawing/2014/main" id="{ECB94648-56E6-49E5-9643-04E7F7E2BEDF}"/>
-              </a:ext>
-            </a:extLst>
-          </p:cNvPr>
-          <p:cNvSpPr/>
-          <p:nvPr/>
-        </p:nvSpPr>
-        <p:spPr>
-          <a:xfrm>
-            <a:off x="2014161" y="3357713"/>
-            <a:ext cx="1455078" cy="687897"/>
-          </a:xfrm>
-          <a:prstGeom prst="rect">
-            <a:avLst/>
-          </a:prstGeom>
-        </p:spPr>
-        <p:style>
-          <a:lnRef idx="2">
-            <a:schemeClr val="dk1"/>
-          </a:lnRef>
-          <a:fillRef idx="1">
-            <a:schemeClr val="lt1"/>
-          </a:fillRef>
-          <a:effectRef idx="0">
-            <a:schemeClr val="dk1"/>
-          </a:effectRef>
-          <a:fontRef idx="minor">
-            <a:schemeClr val="dk1"/>
-          </a:fontRef>
-        </p:style>
-        <p:txBody>
-          <a:bodyPr rtlCol="0" anchor="ctr"/>
-          <a:lstStyle/>
-          <a:p>
-            <a:pPr algn="ctr"/>
-            <a:r>
-              <a:rPr lang="en-US" altLang="ko-KR" dirty="0">
-                <a:solidFill>
-                  <a:schemeClr val="tx1"/>
-                </a:solidFill>
-              </a:rPr>
-              <a:t>Fan Speed 0%</a:t>
-            </a:r>
-            <a:endParaRPr lang="ko-KR" altLang="en-US" dirty="0">
-              <a:solidFill>
-                <a:schemeClr val="tx1"/>
-              </a:solidFill>
-            </a:endParaRPr>
-          </a:p>
-        </p:txBody>
-      </p:sp>
-      <p:sp>
-        <p:nvSpPr>
-          <p:cNvPr id="27" name="직사각형 26">
-            <a:extLst>
-              <a:ext uri="{FF2B5EF4-FFF2-40B4-BE49-F238E27FC236}">
-                <a16:creationId xmlns:a16="http://schemas.microsoft.com/office/drawing/2014/main" id="{5A8B4441-2AD9-45AD-964C-900E42F2A188}"/>
-              </a:ext>
-            </a:extLst>
-          </p:cNvPr>
-          <p:cNvSpPr/>
-          <p:nvPr/>
-        </p:nvSpPr>
-        <p:spPr>
-          <a:xfrm>
-            <a:off x="5228431" y="4686427"/>
-            <a:ext cx="1347830" cy="687897"/>
-          </a:xfrm>
-          <a:prstGeom prst="rect">
-            <a:avLst/>
-          </a:prstGeom>
-        </p:spPr>
-        <p:style>
-          <a:lnRef idx="2">
-            <a:schemeClr val="dk1"/>
-          </a:lnRef>
-          <a:fillRef idx="1">
-            <a:schemeClr val="lt1"/>
-          </a:fillRef>
-          <a:effectRef idx="0">
-            <a:schemeClr val="dk1"/>
-          </a:effectRef>
-          <a:fontRef idx="minor">
-            <a:schemeClr val="dk1"/>
-          </a:fontRef>
-        </p:style>
-        <p:txBody>
-          <a:bodyPr rtlCol="0" anchor="ctr"/>
-          <a:lstStyle/>
-          <a:p>
-            <a:pPr algn="ctr"/>
-            <a:r>
-              <a:rPr lang="ko-KR" altLang="en-US" dirty="0"/>
-              <a:t>서버 전송</a:t>
-            </a:r>
-          </a:p>
-        </p:txBody>
-      </p:sp>
-      <p:sp>
-        <p:nvSpPr>
-          <p:cNvPr id="48" name="직사각형 47">
-            <a:extLst>
-              <a:ext uri="{FF2B5EF4-FFF2-40B4-BE49-F238E27FC236}">
-                <a16:creationId xmlns:a16="http://schemas.microsoft.com/office/drawing/2014/main" id="{A3EE3DD5-E19A-46C3-AF26-520A2EF9A1BE}"/>
-              </a:ext>
-            </a:extLst>
-          </p:cNvPr>
-          <p:cNvSpPr/>
-          <p:nvPr/>
-        </p:nvSpPr>
-        <p:spPr>
-          <a:xfrm>
-            <a:off x="3732298" y="3345627"/>
-            <a:ext cx="1456505" cy="687897"/>
-          </a:xfrm>
-          <a:prstGeom prst="rect">
-            <a:avLst/>
-          </a:prstGeom>
-        </p:spPr>
-        <p:style>
-          <a:lnRef idx="2">
-            <a:schemeClr val="dk1"/>
-          </a:lnRef>
-          <a:fillRef idx="1">
-            <a:schemeClr val="lt1"/>
-          </a:fillRef>
-          <a:effectRef idx="0">
-            <a:schemeClr val="dk1"/>
-          </a:effectRef>
-          <a:fontRef idx="minor">
-            <a:schemeClr val="dk1"/>
-          </a:fontRef>
-        </p:style>
-        <p:txBody>
-          <a:bodyPr rtlCol="0" anchor="ctr"/>
-          <a:lstStyle/>
-          <a:p>
-            <a:pPr algn="ctr"/>
-            <a:r>
-              <a:rPr lang="en-US" altLang="ko-KR" dirty="0">
-                <a:solidFill>
-                  <a:schemeClr val="tx1"/>
-                </a:solidFill>
-              </a:rPr>
-              <a:t>Fan Speed25%</a:t>
-            </a:r>
-            <a:endParaRPr lang="ko-KR" altLang="en-US" dirty="0">
-              <a:solidFill>
-                <a:schemeClr val="tx1"/>
-              </a:solidFill>
-            </a:endParaRPr>
-          </a:p>
-        </p:txBody>
-      </p:sp>
-      <p:sp>
-        <p:nvSpPr>
-          <p:cNvPr id="49" name="직사각형 48">
-            <a:extLst>
-              <a:ext uri="{FF2B5EF4-FFF2-40B4-BE49-F238E27FC236}">
-                <a16:creationId xmlns:a16="http://schemas.microsoft.com/office/drawing/2014/main" id="{E6CCADF1-D182-4E09-A42C-D6D85CA33672}"/>
-              </a:ext>
-            </a:extLst>
-          </p:cNvPr>
-          <p:cNvSpPr/>
-          <p:nvPr/>
-        </p:nvSpPr>
-        <p:spPr>
-          <a:xfrm>
-            <a:off x="7225810" y="3321455"/>
-            <a:ext cx="1455078" cy="687897"/>
-          </a:xfrm>
-          <a:prstGeom prst="rect">
-            <a:avLst/>
-          </a:prstGeom>
-        </p:spPr>
-        <p:style>
-          <a:lnRef idx="2">
-            <a:schemeClr val="dk1"/>
-          </a:lnRef>
-          <a:fillRef idx="1">
-            <a:schemeClr val="lt1"/>
-          </a:fillRef>
-          <a:effectRef idx="0">
-            <a:schemeClr val="dk1"/>
-          </a:effectRef>
-          <a:fontRef idx="minor">
-            <a:schemeClr val="dk1"/>
-          </a:fontRef>
-        </p:style>
-        <p:txBody>
-          <a:bodyPr rtlCol="0" anchor="ctr"/>
-          <a:lstStyle/>
-          <a:p>
-            <a:pPr algn="ctr"/>
-            <a:r>
-              <a:rPr lang="en-US" altLang="ko-KR" dirty="0">
-                <a:solidFill>
-                  <a:schemeClr val="tx1"/>
-                </a:solidFill>
-              </a:rPr>
-              <a:t>Fan Speed75%</a:t>
-            </a:r>
-            <a:endParaRPr lang="ko-KR" altLang="en-US" dirty="0">
-              <a:solidFill>
-                <a:schemeClr val="tx1"/>
-              </a:solidFill>
-            </a:endParaRPr>
-          </a:p>
-        </p:txBody>
-      </p:sp>
-      <p:sp>
-        <p:nvSpPr>
-          <p:cNvPr id="50" name="직사각형 49">
-            <a:extLst>
-              <a:ext uri="{FF2B5EF4-FFF2-40B4-BE49-F238E27FC236}">
-                <a16:creationId xmlns:a16="http://schemas.microsoft.com/office/drawing/2014/main" id="{F815D836-2A9B-4046-A6A7-3E7968181723}"/>
-              </a:ext>
-            </a:extLst>
-          </p:cNvPr>
-          <p:cNvSpPr/>
-          <p:nvPr/>
-        </p:nvSpPr>
-        <p:spPr>
-          <a:xfrm>
-            <a:off x="5506246" y="3321455"/>
-            <a:ext cx="1456505" cy="687897"/>
-          </a:xfrm>
-          <a:prstGeom prst="rect">
-            <a:avLst/>
-          </a:prstGeom>
-        </p:spPr>
-        <p:style>
-          <a:lnRef idx="2">
-            <a:schemeClr val="dk1"/>
-          </a:lnRef>
-          <a:fillRef idx="1">
-            <a:schemeClr val="lt1"/>
-          </a:fillRef>
-          <a:effectRef idx="0">
-            <a:schemeClr val="dk1"/>
-          </a:effectRef>
-          <a:fontRef idx="minor">
-            <a:schemeClr val="dk1"/>
-          </a:fontRef>
-        </p:style>
-        <p:txBody>
-          <a:bodyPr rtlCol="0" anchor="ctr"/>
-          <a:lstStyle/>
-          <a:p>
-            <a:pPr algn="ctr"/>
-            <a:r>
-              <a:rPr lang="en-US" altLang="ko-KR" dirty="0">
-                <a:solidFill>
-                  <a:schemeClr val="tx1"/>
-                </a:solidFill>
-              </a:rPr>
-              <a:t>Fan Speed50%</a:t>
-            </a:r>
-            <a:endParaRPr lang="ko-KR" altLang="en-US" dirty="0">
-              <a:solidFill>
-                <a:schemeClr val="tx1"/>
-              </a:solidFill>
-            </a:endParaRPr>
-          </a:p>
-        </p:txBody>
-      </p:sp>
-      <p:sp>
-        <p:nvSpPr>
-          <p:cNvPr id="51" name="직사각형 50">
-            <a:extLst>
-              <a:ext uri="{FF2B5EF4-FFF2-40B4-BE49-F238E27FC236}">
-                <a16:creationId xmlns:a16="http://schemas.microsoft.com/office/drawing/2014/main" id="{6168435C-A364-4575-9DB9-EED5FD578F50}"/>
-              </a:ext>
-            </a:extLst>
-          </p:cNvPr>
-          <p:cNvSpPr/>
-          <p:nvPr/>
-        </p:nvSpPr>
-        <p:spPr>
-          <a:xfrm>
-            <a:off x="8999758" y="3345626"/>
-            <a:ext cx="1455078" cy="687897"/>
-          </a:xfrm>
-          <a:prstGeom prst="rect">
-            <a:avLst/>
-          </a:prstGeom>
-        </p:spPr>
-        <p:style>
-          <a:lnRef idx="2">
-            <a:schemeClr val="dk1"/>
-          </a:lnRef>
-          <a:fillRef idx="1">
-            <a:schemeClr val="lt1"/>
-          </a:fillRef>
-          <a:effectRef idx="0">
-            <a:schemeClr val="dk1"/>
-          </a:effectRef>
-          <a:fontRef idx="minor">
-            <a:schemeClr val="dk1"/>
-          </a:fontRef>
-        </p:style>
-        <p:txBody>
-          <a:bodyPr rtlCol="0" anchor="ctr"/>
-          <a:lstStyle/>
-          <a:p>
-            <a:pPr algn="ctr"/>
-            <a:r>
-              <a:rPr lang="en-US" altLang="ko-KR" dirty="0">
-                <a:solidFill>
-                  <a:schemeClr val="tx1"/>
-                </a:solidFill>
-              </a:rPr>
-              <a:t>Fan Speed 100%</a:t>
-            </a:r>
-            <a:endParaRPr lang="ko-KR" altLang="en-US" dirty="0">
-              <a:solidFill>
-                <a:schemeClr val="tx1"/>
-              </a:solidFill>
-            </a:endParaRPr>
-          </a:p>
-        </p:txBody>
-      </p:sp>
-      <p:cxnSp>
-        <p:nvCxnSpPr>
-          <p:cNvPr id="52" name="직선 화살표 연결선 51">
-            <a:extLst>
-              <a:ext uri="{FF2B5EF4-FFF2-40B4-BE49-F238E27FC236}">
-                <a16:creationId xmlns:a16="http://schemas.microsoft.com/office/drawing/2014/main" id="{DB08618B-8F44-4A1C-B238-99E8F490424F}"/>
-              </a:ext>
-            </a:extLst>
-          </p:cNvPr>
-          <p:cNvCxnSpPr>
-            <a:cxnSpLocks/>
-            <a:stCxn id="25" idx="2"/>
-            <a:endCxn id="48" idx="0"/>
-          </p:cNvCxnSpPr>
-          <p:nvPr/>
-        </p:nvCxnSpPr>
-        <p:spPr>
-          <a:xfrm flipH="1">
-            <a:off x="4460551" y="2498541"/>
-            <a:ext cx="1441796" cy="847086"/>
+            <a:off x="5902347" y="2498541"/>
+            <a:ext cx="1239053" cy="749993"/>
           </a:xfrm>
           <a:prstGeom prst="straightConnector1">
             <a:avLst/>
@@ -3920,24 +3822,23 @@
       </p:cxnSp>
       <p:cxnSp>
         <p:nvCxnSpPr>
-          <p:cNvPr id="55" name="직선 화살표 연결선 54">
-            <a:extLst>
-              <a:ext uri="{FF2B5EF4-FFF2-40B4-BE49-F238E27FC236}">
-                <a16:creationId xmlns:a16="http://schemas.microsoft.com/office/drawing/2014/main" id="{3A318DDA-B3C6-4269-8204-DC1FBDC330E1}"/>
+          <p:cNvPr id="38" name="직선 화살표 연결선 37">
+            <a:extLst>
+              <a:ext uri="{FF2B5EF4-FFF2-40B4-BE49-F238E27FC236}">
+                <a16:creationId xmlns:a16="http://schemas.microsoft.com/office/drawing/2014/main" id="{4F229C8A-C72F-4D71-98F7-0B539C1C6795}"/>
               </a:ext>
             </a:extLst>
           </p:cNvPr>
           <p:cNvCxnSpPr>
             <a:cxnSpLocks/>
-            <a:stCxn id="25" idx="2"/>
-            <a:endCxn id="50" idx="0"/>
+            <a:endCxn id="27" idx="0"/>
           </p:cNvCxnSpPr>
           <p:nvPr/>
         </p:nvCxnSpPr>
         <p:spPr>
           <a:xfrm>
-            <a:off x="5902347" y="2498541"/>
-            <a:ext cx="332152" cy="822914"/>
+            <a:off x="4971011" y="3998529"/>
+            <a:ext cx="931335" cy="687898"/>
           </a:xfrm>
           <a:prstGeom prst="straightConnector1">
             <a:avLst/>
@@ -3963,337 +3864,24 @@
       </p:cxnSp>
       <p:cxnSp>
         <p:nvCxnSpPr>
-          <p:cNvPr id="58" name="직선 화살표 연결선 57">
-            <a:extLst>
-              <a:ext uri="{FF2B5EF4-FFF2-40B4-BE49-F238E27FC236}">
-                <a16:creationId xmlns:a16="http://schemas.microsoft.com/office/drawing/2014/main" id="{06ADA5D7-1D88-4626-A442-3F833E4A1410}"/>
+          <p:cNvPr id="41" name="직선 화살표 연결선 40">
+            <a:extLst>
+              <a:ext uri="{FF2B5EF4-FFF2-40B4-BE49-F238E27FC236}">
+                <a16:creationId xmlns:a16="http://schemas.microsoft.com/office/drawing/2014/main" id="{C6D87C1D-A5FC-47AF-ADB1-987EB724E087}"/>
               </a:ext>
             </a:extLst>
           </p:cNvPr>
           <p:cNvCxnSpPr>
             <a:cxnSpLocks/>
-            <a:stCxn id="25" idx="2"/>
-            <a:endCxn id="49" idx="0"/>
-          </p:cNvCxnSpPr>
-          <p:nvPr/>
-        </p:nvCxnSpPr>
-        <p:spPr>
-          <a:xfrm>
-            <a:off x="5902347" y="2498541"/>
-            <a:ext cx="2051002" cy="822914"/>
-          </a:xfrm>
-          <a:prstGeom prst="straightConnector1">
-            <a:avLst/>
-          </a:prstGeom>
-          <a:ln>
-            <a:tailEnd type="triangle"/>
-          </a:ln>
-        </p:spPr>
-        <p:style>
-          <a:lnRef idx="1">
-            <a:schemeClr val="accent1"/>
-          </a:lnRef>
-          <a:fillRef idx="0">
-            <a:schemeClr val="accent1"/>
-          </a:fillRef>
-          <a:effectRef idx="0">
-            <a:schemeClr val="accent1"/>
-          </a:effectRef>
-          <a:fontRef idx="minor">
-            <a:schemeClr val="tx1"/>
-          </a:fontRef>
-        </p:style>
-      </p:cxnSp>
-      <p:cxnSp>
-        <p:nvCxnSpPr>
-          <p:cNvPr id="61" name="직선 화살표 연결선 60">
-            <a:extLst>
-              <a:ext uri="{FF2B5EF4-FFF2-40B4-BE49-F238E27FC236}">
-                <a16:creationId xmlns:a16="http://schemas.microsoft.com/office/drawing/2014/main" id="{BC07A139-7614-4C39-ACF8-A00854E99BB4}"/>
-              </a:ext>
-            </a:extLst>
-          </p:cNvPr>
-          <p:cNvCxnSpPr>
-            <a:cxnSpLocks/>
-            <a:stCxn id="25" idx="2"/>
-            <a:endCxn id="51" idx="0"/>
-          </p:cNvCxnSpPr>
-          <p:nvPr/>
-        </p:nvCxnSpPr>
-        <p:spPr>
-          <a:xfrm>
-            <a:off x="5902347" y="2498541"/>
-            <a:ext cx="3824950" cy="847085"/>
-          </a:xfrm>
-          <a:prstGeom prst="straightConnector1">
-            <a:avLst/>
-          </a:prstGeom>
-          <a:ln>
-            <a:tailEnd type="triangle"/>
-          </a:ln>
-        </p:spPr>
-        <p:style>
-          <a:lnRef idx="1">
-            <a:schemeClr val="accent1"/>
-          </a:lnRef>
-          <a:fillRef idx="0">
-            <a:schemeClr val="accent1"/>
-          </a:fillRef>
-          <a:effectRef idx="0">
-            <a:schemeClr val="accent1"/>
-          </a:effectRef>
-          <a:fontRef idx="minor">
-            <a:schemeClr val="tx1"/>
-          </a:fontRef>
-        </p:style>
-      </p:cxnSp>
-      <p:cxnSp>
-        <p:nvCxnSpPr>
-          <p:cNvPr id="66" name="직선 화살표 연결선 65">
-            <a:extLst>
-              <a:ext uri="{FF2B5EF4-FFF2-40B4-BE49-F238E27FC236}">
-                <a16:creationId xmlns:a16="http://schemas.microsoft.com/office/drawing/2014/main" id="{1A222580-09A1-4579-947A-DA4533368804}"/>
-              </a:ext>
-            </a:extLst>
-          </p:cNvPr>
-          <p:cNvCxnSpPr>
-            <a:cxnSpLocks/>
-            <a:stCxn id="48" idx="2"/>
-            <a:endCxn id="27" idx="0"/>
-          </p:cNvCxnSpPr>
-          <p:nvPr/>
-        </p:nvCxnSpPr>
-        <p:spPr>
-          <a:xfrm>
-            <a:off x="4460551" y="4033524"/>
-            <a:ext cx="1441795" cy="652903"/>
-          </a:xfrm>
-          <a:prstGeom prst="straightConnector1">
-            <a:avLst/>
-          </a:prstGeom>
-          <a:ln>
-            <a:tailEnd type="triangle"/>
-          </a:ln>
-        </p:spPr>
-        <p:style>
-          <a:lnRef idx="1">
-            <a:schemeClr val="accent1"/>
-          </a:lnRef>
-          <a:fillRef idx="0">
-            <a:schemeClr val="accent1"/>
-          </a:fillRef>
-          <a:effectRef idx="0">
-            <a:schemeClr val="accent1"/>
-          </a:effectRef>
-          <a:fontRef idx="minor">
-            <a:schemeClr val="tx1"/>
-          </a:fontRef>
-        </p:style>
-      </p:cxnSp>
-      <p:cxnSp>
-        <p:nvCxnSpPr>
-          <p:cNvPr id="69" name="직선 화살표 연결선 68">
-            <a:extLst>
-              <a:ext uri="{FF2B5EF4-FFF2-40B4-BE49-F238E27FC236}">
-                <a16:creationId xmlns:a16="http://schemas.microsoft.com/office/drawing/2014/main" id="{0A942CB7-7ECB-46DD-93C3-0E401356FA4E}"/>
-              </a:ext>
-            </a:extLst>
-          </p:cNvPr>
-          <p:cNvCxnSpPr>
-            <a:cxnSpLocks/>
-            <a:stCxn id="50" idx="2"/>
+            <a:stCxn id="34" idx="2"/>
             <a:endCxn id="27" idx="0"/>
           </p:cNvCxnSpPr>
           <p:nvPr/>
         </p:nvCxnSpPr>
         <p:spPr>
           <a:xfrm flipH="1">
-            <a:off x="5902346" y="4009352"/>
-            <a:ext cx="332153" cy="677075"/>
-          </a:xfrm>
-          <a:prstGeom prst="straightConnector1">
-            <a:avLst/>
-          </a:prstGeom>
-          <a:ln>
-            <a:tailEnd type="triangle"/>
-          </a:ln>
-        </p:spPr>
-        <p:style>
-          <a:lnRef idx="1">
-            <a:schemeClr val="accent1"/>
-          </a:lnRef>
-          <a:fillRef idx="0">
-            <a:schemeClr val="accent1"/>
-          </a:fillRef>
-          <a:effectRef idx="0">
-            <a:schemeClr val="accent1"/>
-          </a:effectRef>
-          <a:fontRef idx="minor">
-            <a:schemeClr val="tx1"/>
-          </a:fontRef>
-        </p:style>
-      </p:cxnSp>
-      <p:cxnSp>
-        <p:nvCxnSpPr>
-          <p:cNvPr id="72" name="직선 화살표 연결선 71">
-            <a:extLst>
-              <a:ext uri="{FF2B5EF4-FFF2-40B4-BE49-F238E27FC236}">
-                <a16:creationId xmlns:a16="http://schemas.microsoft.com/office/drawing/2014/main" id="{27734019-75F4-4F7A-9FAD-91852F6BD5F2}"/>
-              </a:ext>
-            </a:extLst>
-          </p:cNvPr>
-          <p:cNvCxnSpPr>
-            <a:cxnSpLocks/>
-            <a:stCxn id="49" idx="2"/>
-            <a:endCxn id="27" idx="0"/>
-          </p:cNvCxnSpPr>
-          <p:nvPr/>
-        </p:nvCxnSpPr>
-        <p:spPr>
-          <a:xfrm flipH="1">
-            <a:off x="5902346" y="4009352"/>
-            <a:ext cx="2051003" cy="677075"/>
-          </a:xfrm>
-          <a:prstGeom prst="straightConnector1">
-            <a:avLst/>
-          </a:prstGeom>
-          <a:ln>
-            <a:tailEnd type="triangle"/>
-          </a:ln>
-        </p:spPr>
-        <p:style>
-          <a:lnRef idx="1">
-            <a:schemeClr val="accent1"/>
-          </a:lnRef>
-          <a:fillRef idx="0">
-            <a:schemeClr val="accent1"/>
-          </a:fillRef>
-          <a:effectRef idx="0">
-            <a:schemeClr val="accent1"/>
-          </a:effectRef>
-          <a:fontRef idx="minor">
-            <a:schemeClr val="tx1"/>
-          </a:fontRef>
-        </p:style>
-      </p:cxnSp>
-      <p:cxnSp>
-        <p:nvCxnSpPr>
-          <p:cNvPr id="75" name="직선 화살표 연결선 74">
-            <a:extLst>
-              <a:ext uri="{FF2B5EF4-FFF2-40B4-BE49-F238E27FC236}">
-                <a16:creationId xmlns:a16="http://schemas.microsoft.com/office/drawing/2014/main" id="{5B68CDB4-2E57-4521-BF92-E46661EF8A16}"/>
-              </a:ext>
-            </a:extLst>
-          </p:cNvPr>
-          <p:cNvCxnSpPr>
-            <a:cxnSpLocks/>
-            <a:stCxn id="51" idx="2"/>
-            <a:endCxn id="27" idx="0"/>
-          </p:cNvCxnSpPr>
-          <p:nvPr/>
-        </p:nvCxnSpPr>
-        <p:spPr>
-          <a:xfrm flipH="1">
-            <a:off x="5902346" y="4033523"/>
-            <a:ext cx="3824951" cy="652904"/>
-          </a:xfrm>
-          <a:prstGeom prst="straightConnector1">
-            <a:avLst/>
-          </a:prstGeom>
-          <a:ln>
-            <a:tailEnd type="triangle"/>
-          </a:ln>
-        </p:spPr>
-        <p:style>
-          <a:lnRef idx="1">
-            <a:schemeClr val="accent1"/>
-          </a:lnRef>
-          <a:fillRef idx="0">
-            <a:schemeClr val="accent1"/>
-          </a:fillRef>
-          <a:effectRef idx="0">
-            <a:schemeClr val="accent1"/>
-          </a:effectRef>
-          <a:fontRef idx="minor">
-            <a:schemeClr val="tx1"/>
-          </a:fontRef>
-        </p:style>
-      </p:cxnSp>
-      <p:sp>
-        <p:nvSpPr>
-          <p:cNvPr id="99" name="직사각형 98">
-            <a:extLst>
-              <a:ext uri="{FF2B5EF4-FFF2-40B4-BE49-F238E27FC236}">
-                <a16:creationId xmlns:a16="http://schemas.microsoft.com/office/drawing/2014/main" id="{94B16BDC-F567-4E17-AC9D-842EBB1DF8E8}"/>
-              </a:ext>
-            </a:extLst>
-          </p:cNvPr>
-          <p:cNvSpPr/>
-          <p:nvPr/>
-        </p:nvSpPr>
-        <p:spPr>
-          <a:xfrm>
-            <a:off x="5245498" y="5894441"/>
-            <a:ext cx="1313695" cy="687897"/>
-          </a:xfrm>
-          <a:prstGeom prst="rect">
-            <a:avLst/>
-          </a:prstGeom>
-        </p:spPr>
-        <p:style>
-          <a:lnRef idx="2">
-            <a:schemeClr val="dk1"/>
-          </a:lnRef>
-          <a:fillRef idx="1">
-            <a:schemeClr val="lt1"/>
-          </a:fillRef>
-          <a:effectRef idx="0">
-            <a:schemeClr val="dk1"/>
-          </a:effectRef>
-          <a:fontRef idx="minor">
-            <a:schemeClr val="dk1"/>
-          </a:fontRef>
-        </p:style>
-        <p:txBody>
-          <a:bodyPr rtlCol="0" anchor="ctr"/>
-          <a:lstStyle/>
-          <a:p>
-            <a:pPr algn="ctr"/>
-            <a:r>
-              <a:rPr lang="ko-KR" altLang="en-US" dirty="0"/>
-              <a:t>웹페이지 </a:t>
-            </a:r>
-            <a:endParaRPr lang="en-US" altLang="ko-KR" dirty="0"/>
-          </a:p>
-          <a:p>
-            <a:pPr algn="ctr"/>
-            <a:r>
-              <a:rPr lang="ko-KR" altLang="en-US" dirty="0"/>
-              <a:t>출력</a:t>
-            </a:r>
-          </a:p>
-        </p:txBody>
-      </p:sp>
-      <p:cxnSp>
-        <p:nvCxnSpPr>
-          <p:cNvPr id="100" name="직선 화살표 연결선 99">
-            <a:extLst>
-              <a:ext uri="{FF2B5EF4-FFF2-40B4-BE49-F238E27FC236}">
-                <a16:creationId xmlns:a16="http://schemas.microsoft.com/office/drawing/2014/main" id="{4B1F5BA9-1598-4CAC-B8F9-EC450258CCC5}"/>
-              </a:ext>
-            </a:extLst>
-          </p:cNvPr>
-          <p:cNvCxnSpPr>
-            <a:cxnSpLocks/>
-            <a:stCxn id="27" idx="2"/>
-            <a:endCxn id="99" idx="0"/>
-          </p:cNvCxnSpPr>
-          <p:nvPr/>
-        </p:nvCxnSpPr>
-        <p:spPr>
-          <a:xfrm>
-            <a:off x="5902346" y="5374324"/>
-            <a:ext cx="0" cy="520117"/>
+            <a:off x="5902346" y="3998527"/>
+            <a:ext cx="1239054" cy="687900"/>
           </a:xfrm>
           <a:prstGeom prst="straightConnector1">
             <a:avLst/>
